--- a/Fall2018 Lecture Notes/Chapter 4 Lecture.pptx
+++ b/Fall2018 Lecture Notes/Chapter 4 Lecture.pptx
@@ -235,7 +235,7 @@
           <a:p>
             <a:fld id="{BA0CBF55-ADA6-6C49-88CA-30E849AB012C}" type="datetimeFigureOut">
               <a:rPr lang="en-US" smtClean="0"/>
-              <a:t>7/16/2018</a:t>
+              <a:t>7/17/2018</a:t>
             </a:fld>
             <a:endParaRPr lang="en-US"/>
           </a:p>
@@ -1558,6 +1558,93 @@
 </p:notes>
 </file>
 
+<file path=ppt/notesSlides/notesSlide19.xml><?xml version="1.0" encoding="utf-8"?>
+<p:notes xmlns:a="http://schemas.openxmlformats.org/drawingml/2006/main" xmlns:r="http://schemas.openxmlformats.org/officeDocument/2006/relationships" xmlns:p="http://schemas.openxmlformats.org/presentationml/2006/main">
+  <p:cSld>
+    <p:spTree>
+      <p:nvGrpSpPr>
+        <p:cNvPr id="1" name=""/>
+        <p:cNvGrpSpPr/>
+        <p:nvPr/>
+      </p:nvGrpSpPr>
+      <p:grpSpPr>
+        <a:xfrm>
+          <a:off x="0" y="0"/>
+          <a:ext cx="0" cy="0"/>
+          <a:chOff x="0" y="0"/>
+          <a:chExt cx="0" cy="0"/>
+        </a:xfrm>
+      </p:grpSpPr>
+      <p:sp>
+        <p:nvSpPr>
+          <p:cNvPr id="2" name="Slide Image Placeholder 1"/>
+          <p:cNvSpPr>
+            <a:spLocks noGrp="1" noRot="1" noChangeAspect="1"/>
+          </p:cNvSpPr>
+          <p:nvPr>
+            <p:ph type="sldImg"/>
+          </p:nvPr>
+        </p:nvSpPr>
+        <p:spPr/>
+      </p:sp>
+      <p:sp>
+        <p:nvSpPr>
+          <p:cNvPr id="3" name="Notes Placeholder 2"/>
+          <p:cNvSpPr>
+            <a:spLocks noGrp="1"/>
+          </p:cNvSpPr>
+          <p:nvPr>
+            <p:ph type="body" idx="1"/>
+          </p:nvPr>
+        </p:nvSpPr>
+        <p:spPr/>
+        <p:txBody>
+          <a:bodyPr/>
+          <a:lstStyle/>
+          <a:p>
+            <a:r>
+              <a:rPr lang="en-US" dirty="0"/>
+              <a:t>Biased to use N because it would assume we got every single person’s score right; N-1 accounts for us at least getting one wrong</a:t>
+            </a:r>
+          </a:p>
+        </p:txBody>
+      </p:sp>
+      <p:sp>
+        <p:nvSpPr>
+          <p:cNvPr id="4" name="Slide Number Placeholder 3"/>
+          <p:cNvSpPr>
+            <a:spLocks noGrp="1"/>
+          </p:cNvSpPr>
+          <p:nvPr>
+            <p:ph type="sldNum" sz="quarter" idx="10"/>
+          </p:nvPr>
+        </p:nvSpPr>
+        <p:spPr/>
+        <p:txBody>
+          <a:bodyPr/>
+          <a:lstStyle/>
+          <a:p>
+            <a:fld id="{08B6D05D-D48B-2346-9263-01BCD378E70F}" type="slidenum">
+              <a:rPr lang="en-US" smtClean="0"/>
+              <a:t>26</a:t>
+            </a:fld>
+            <a:endParaRPr lang="en-US"/>
+          </a:p>
+        </p:txBody>
+      </p:sp>
+    </p:spTree>
+    <p:extLst>
+      <p:ext uri="{BB962C8B-B14F-4D97-AF65-F5344CB8AC3E}">
+        <p14:creationId xmlns:p14="http://schemas.microsoft.com/office/powerpoint/2010/main" val="334600444"/>
+      </p:ext>
+    </p:extLst>
+  </p:cSld>
+  <p:clrMapOvr>
+    <a:masterClrMapping/>
+  </p:clrMapOvr>
+</p:notes>
+</file>
+
 <file path=ppt/notesSlides/notesSlide2.xml><?xml version="1.0" encoding="utf-8"?>
 <p:notes xmlns:a="http://schemas.openxmlformats.org/drawingml/2006/main" xmlns:r="http://schemas.openxmlformats.org/officeDocument/2006/relationships" xmlns:p="http://schemas.openxmlformats.org/presentationml/2006/main">
   <p:cSld>
@@ -2573,7 +2660,7 @@
           <a:p>
             <a:fld id="{BA12A05A-DF53-7541-A84F-FA6083F3930E}" type="datetimeFigureOut">
               <a:rPr lang="en-US" smtClean="0"/>
-              <a:t>7/16/2018</a:t>
+              <a:t>7/17/2018</a:t>
             </a:fld>
             <a:endParaRPr lang="en-US"/>
           </a:p>
@@ -2781,7 +2868,7 @@
           <a:p>
             <a:fld id="{BA12A05A-DF53-7541-A84F-FA6083F3930E}" type="datetimeFigureOut">
               <a:rPr lang="en-US" smtClean="0"/>
-              <a:t>7/16/2018</a:t>
+              <a:t>7/17/2018</a:t>
             </a:fld>
             <a:endParaRPr lang="en-US"/>
           </a:p>
@@ -3037,7 +3124,7 @@
           <a:p>
             <a:fld id="{BA12A05A-DF53-7541-A84F-FA6083F3930E}" type="datetimeFigureOut">
               <a:rPr lang="en-US" smtClean="0"/>
-              <a:t>7/16/2018</a:t>
+              <a:t>7/17/2018</a:t>
             </a:fld>
             <a:endParaRPr lang="en-US"/>
           </a:p>
@@ -3222,7 +3309,7 @@
           <a:p>
             <a:fld id="{BA12A05A-DF53-7541-A84F-FA6083F3930E}" type="datetimeFigureOut">
               <a:rPr lang="en-US" smtClean="0"/>
-              <a:t>7/16/2018</a:t>
+              <a:t>7/17/2018</a:t>
             </a:fld>
             <a:endParaRPr lang="en-US"/>
           </a:p>
@@ -3565,7 +3652,7 @@
           <a:p>
             <a:fld id="{BA12A05A-DF53-7541-A84F-FA6083F3930E}" type="datetimeFigureOut">
               <a:rPr lang="en-US" smtClean="0"/>
-              <a:t>7/16/2018</a:t>
+              <a:t>7/17/2018</a:t>
             </a:fld>
             <a:endParaRPr lang="en-US"/>
           </a:p>
@@ -3840,7 +3927,7 @@
           <a:p>
             <a:fld id="{BA12A05A-DF53-7541-A84F-FA6083F3930E}" type="datetimeFigureOut">
               <a:rPr lang="en-US" smtClean="0"/>
-              <a:t>7/16/2018</a:t>
+              <a:t>7/17/2018</a:t>
             </a:fld>
             <a:endParaRPr lang="en-US"/>
           </a:p>
@@ -4219,7 +4306,7 @@
           <a:p>
             <a:fld id="{BA12A05A-DF53-7541-A84F-FA6083F3930E}" type="datetimeFigureOut">
               <a:rPr lang="en-US" smtClean="0"/>
-              <a:t>7/16/2018</a:t>
+              <a:t>7/17/2018</a:t>
             </a:fld>
             <a:endParaRPr lang="en-US"/>
           </a:p>
@@ -4337,7 +4424,7 @@
           <a:p>
             <a:fld id="{BA12A05A-DF53-7541-A84F-FA6083F3930E}" type="datetimeFigureOut">
               <a:rPr lang="en-US" smtClean="0"/>
-              <a:t>7/16/2018</a:t>
+              <a:t>7/17/2018</a:t>
             </a:fld>
             <a:endParaRPr lang="en-US"/>
           </a:p>
@@ -4508,7 +4595,7 @@
           <a:p>
             <a:fld id="{BA12A05A-DF53-7541-A84F-FA6083F3930E}" type="datetimeFigureOut">
               <a:rPr lang="en-US" smtClean="0"/>
-              <a:t>7/16/2018</a:t>
+              <a:t>7/17/2018</a:t>
             </a:fld>
             <a:endParaRPr lang="en-US"/>
           </a:p>
@@ -4862,7 +4949,7 @@
           <a:p>
             <a:fld id="{BA12A05A-DF53-7541-A84F-FA6083F3930E}" type="datetimeFigureOut">
               <a:rPr lang="en-US" smtClean="0"/>
-              <a:t>7/16/2018</a:t>
+              <a:t>7/17/2018</a:t>
             </a:fld>
             <a:endParaRPr lang="en-US"/>
           </a:p>
@@ -5244,7 +5331,7 @@
           <a:p>
             <a:fld id="{BA12A05A-DF53-7541-A84F-FA6083F3930E}" type="datetimeFigureOut">
               <a:rPr lang="en-US" smtClean="0"/>
-              <a:t>7/16/2018</a:t>
+              <a:t>7/17/2018</a:t>
             </a:fld>
             <a:endParaRPr lang="en-US"/>
           </a:p>
@@ -5531,7 +5618,7 @@
           <a:p>
             <a:fld id="{BA12A05A-DF53-7541-A84F-FA6083F3930E}" type="datetimeFigureOut">
               <a:rPr lang="en-US" smtClean="0"/>
-              <a:t>7/16/2018</a:t>
+              <a:t>7/17/2018</a:t>
             </a:fld>
             <a:endParaRPr lang="en-US"/>
           </a:p>
@@ -7591,7 +7678,7 @@
                       <a:noFill/>
                       <a:extLst>
                         <a:ext uri="{909E8E84-426E-40dd-AFC4-6F175D3DCCD1}">
-                          <a14:hiddenFill xmlns:a14="http://schemas.microsoft.com/office/drawing/2010/main" xmlns="">
+                          <a14:hiddenFill xmlns="" xmlns:a14="http://schemas.microsoft.com/office/drawing/2010/main">
                             <a:solidFill>
                               <a:srgbClr val="FFFFFF"/>
                             </a:solidFill>
@@ -8044,7 +8131,7 @@
                       <a:noFill/>
                       <a:extLst>
                         <a:ext uri="{909E8E84-426E-40dd-AFC4-6F175D3DCCD1}">
-                          <a14:hiddenFill xmlns:a14="http://schemas.microsoft.com/office/drawing/2010/main" xmlns="">
+                          <a14:hiddenFill xmlns="" xmlns:a14="http://schemas.microsoft.com/office/drawing/2010/main">
                             <a:solidFill>
                               <a:srgbClr val="FFFFFF"/>
                             </a:solidFill>
@@ -8326,7 +8413,7 @@
                       <a:noFill/>
                       <a:extLst>
                         <a:ext uri="{909E8E84-426E-40dd-AFC4-6F175D3DCCD1}">
-                          <a14:hiddenFill xmlns:a14="http://schemas.microsoft.com/office/drawing/2010/main" xmlns="">
+                          <a14:hiddenFill xmlns="" xmlns:a14="http://schemas.microsoft.com/office/drawing/2010/main">
                             <a:solidFill>
                               <a:srgbClr val="FFFFFF"/>
                             </a:solidFill>
@@ -8421,6 +8508,21 @@
             </a:r>
           </a:p>
           <a:p>
+            <a:pPr lvl="1"/>
+            <a:r>
+              <a:rPr lang="en-US" dirty="0"/>
+              <a:t>**this is what </a:t>
+            </a:r>
+            <a:r>
+              <a:rPr lang="en-US" dirty="0" err="1"/>
+              <a:t>JASP</a:t>
+            </a:r>
+            <a:r>
+              <a:rPr lang="en-US" dirty="0"/>
+              <a:t> does</a:t>
+            </a:r>
+          </a:p>
+          <a:p>
             <a:r>
               <a:rPr lang="en-US" dirty="0"/>
               <a:t>Populations usually use N as the denominator </a:t>
@@ -8939,7 +9041,7 @@
                       <a:noFill/>
                       <a:extLst>
                         <a:ext uri="{909E8E84-426E-40dd-AFC4-6F175D3DCCD1}">
-                          <a14:hiddenFill xmlns:a14="http://schemas.microsoft.com/office/drawing/2010/main" xmlns="">
+                          <a14:hiddenFill xmlns="" xmlns:a14="http://schemas.microsoft.com/office/drawing/2010/main">
                             <a:solidFill>
                               <a:srgbClr val="FFFFFF"/>
                             </a:solidFill>
